--- a/BIM_Study_Materials/4th Sem/DBMS/Chapters/UNIT 2 ERM.pptx
+++ b/BIM_Study_Materials/4th Sem/DBMS/Chapters/UNIT 2 ERM.pptx
@@ -282,7 +282,7 @@
           <a:p>
             <a:fld id="{A96461DF-EA3E-4256-B65C-6D80DB95CF2A}" type="datetimeFigureOut">
               <a:rPr lang="en-US" smtClean="0"/>
-              <a:t>6/20/2025</a:t>
+              <a:t>11/5/25</a:t>
             </a:fld>
             <a:endParaRPr lang="en-US"/>
           </a:p>
@@ -688,7 +688,7 @@
           <a:p>
             <a:fld id="{4697C50A-6195-447C-B34E-B9771CC302E7}" type="datetime1">
               <a:rPr lang="en-US" smtClean="0"/>
-              <a:t>6/20/2025</a:t>
+              <a:t>11/5/25</a:t>
             </a:fld>
             <a:endParaRPr lang="en-US"/>
           </a:p>
@@ -899,7 +899,7 @@
           <a:p>
             <a:fld id="{2C5A311E-95BD-4A10-A5E2-1BF56B0A1357}" type="datetime1">
               <a:rPr lang="en-US" smtClean="0"/>
-              <a:t>6/20/2025</a:t>
+              <a:t>11/5/25</a:t>
             </a:fld>
             <a:endParaRPr lang="en-US"/>
           </a:p>
@@ -1114,7 +1114,7 @@
           <a:p>
             <a:fld id="{D6AD5226-0759-40CF-A564-269B75E91D62}" type="datetime1">
               <a:rPr lang="en-US" smtClean="0"/>
-              <a:t>6/20/2025</a:t>
+              <a:t>11/5/25</a:t>
             </a:fld>
             <a:endParaRPr lang="en-US"/>
           </a:p>
@@ -1315,7 +1315,7 @@
           <a:p>
             <a:fld id="{9367BD65-FADD-4F78-BA9E-890EF777F639}" type="datetime1">
               <a:rPr lang="en-US" smtClean="0"/>
-              <a:t>6/20/2025</a:t>
+              <a:t>11/5/25</a:t>
             </a:fld>
             <a:endParaRPr lang="en-US"/>
           </a:p>
@@ -1594,7 +1594,7 @@
           <a:p>
             <a:fld id="{5CD3D3C0-C996-44EF-B7B2-8B8506A18AFE}" type="datetime1">
               <a:rPr lang="en-US" smtClean="0"/>
-              <a:t>6/20/2025</a:t>
+              <a:t>11/5/25</a:t>
             </a:fld>
             <a:endParaRPr lang="en-US"/>
           </a:p>
@@ -1862,7 +1862,7 @@
           <a:p>
             <a:fld id="{2C0DEF55-D827-4FBE-BCB7-010087746E49}" type="datetime1">
               <a:rPr lang="en-US" smtClean="0"/>
-              <a:t>6/20/2025</a:t>
+              <a:t>11/5/25</a:t>
             </a:fld>
             <a:endParaRPr lang="en-US"/>
           </a:p>
@@ -2278,7 +2278,7 @@
           <a:p>
             <a:fld id="{61F3F4C3-809D-4B83-A550-C8B6638C2897}" type="datetime1">
               <a:rPr lang="en-US" smtClean="0"/>
-              <a:t>6/20/2025</a:t>
+              <a:t>11/5/25</a:t>
             </a:fld>
             <a:endParaRPr lang="en-US"/>
           </a:p>
@@ -2427,7 +2427,7 @@
           <a:p>
             <a:fld id="{65632B4C-7174-4E0B-8D6B-0E8777DAF200}" type="datetime1">
               <a:rPr lang="en-US" smtClean="0"/>
-              <a:t>6/20/2025</a:t>
+              <a:t>11/5/25</a:t>
             </a:fld>
             <a:endParaRPr lang="en-US"/>
           </a:p>
@@ -2553,7 +2553,7 @@
           <a:p>
             <a:fld id="{B0EAA2AC-256F-46C4-908D-B14CA2E095C3}" type="datetime1">
               <a:rPr lang="en-US" smtClean="0"/>
-              <a:t>6/20/2025</a:t>
+              <a:t>11/5/25</a:t>
             </a:fld>
             <a:endParaRPr lang="en-US"/>
           </a:p>
@@ -2804,7 +2804,7 @@
           <a:p>
             <a:fld id="{1DE04B30-5259-45F2-AA76-95BBA9BF54DF}" type="datetime1">
               <a:rPr lang="en-US" smtClean="0"/>
-              <a:t>6/20/2025</a:t>
+              <a:t>11/5/25</a:t>
             </a:fld>
             <a:endParaRPr lang="en-US"/>
           </a:p>
@@ -3249,7 +3249,7 @@
           <a:p>
             <a:fld id="{E60644F7-BD2E-4E88-84E1-054532E98FB0}" type="datetime1">
               <a:rPr lang="en-US" smtClean="0"/>
-              <a:t>6/20/2025</a:t>
+              <a:t>11/5/25</a:t>
             </a:fld>
             <a:endParaRPr lang="en-US"/>
           </a:p>
@@ -3576,7 +3576,7 @@
           <a:p>
             <a:fld id="{41EB77A7-E114-47C3-A7B8-237566E450B0}" type="datetime1">
               <a:rPr lang="en-US" smtClean="0"/>
-              <a:t>6/20/2025</a:t>
+              <a:t>11/5/25</a:t>
             </a:fld>
             <a:endParaRPr lang="en-US"/>
           </a:p>
@@ -14722,7 +14722,7 @@
         </p:blipFill>
         <p:spPr>
           <a:xfrm>
-            <a:off x="2168236" y="1236229"/>
+            <a:off x="2189018" y="1933907"/>
             <a:ext cx="7813964" cy="4490316"/>
           </a:xfrm>
           <a:prstGeom prst="rect">
@@ -15915,7 +15915,12 @@
             <p:ph type="title"/>
           </p:nvPr>
         </p:nvSpPr>
-        <p:spPr/>
+        <p:spPr>
+          <a:xfrm>
+            <a:off x="1451579" y="816394"/>
+            <a:ext cx="9603275" cy="1049235"/>
+          </a:xfrm>
+        </p:spPr>
         <p:txBody>
           <a:bodyPr/>
           <a:lstStyle/>
@@ -15994,7 +15999,7 @@
         </p:blipFill>
         <p:spPr>
           <a:xfrm>
-            <a:off x="1196111" y="2291789"/>
+            <a:off x="1137146" y="2553045"/>
             <a:ext cx="10317015" cy="4020111"/>
           </a:xfrm>
           <a:prstGeom prst="rect">
